--- a/FrontEnd/Week1/Week 1.pptx
+++ b/FrontEnd/Week1/Week 1.pptx
@@ -260,7 +260,7 @@
           <a:p>
             <a:fld id="{F28A4246-F2A7-4220-A405-8A96DAE08D6A}" type="datetimeFigureOut">
               <a:rPr lang="en-US" smtClean="0"/>
-              <a:t>4/28/25</a:t>
+              <a:t>4/30/25</a:t>
             </a:fld>
             <a:endParaRPr lang="en-US"/>
           </a:p>
@@ -430,7 +430,7 @@
           <a:p>
             <a:fld id="{F28A4246-F2A7-4220-A405-8A96DAE08D6A}" type="datetimeFigureOut">
               <a:rPr lang="en-US" smtClean="0"/>
-              <a:t>4/28/25</a:t>
+              <a:t>4/30/25</a:t>
             </a:fld>
             <a:endParaRPr lang="en-US"/>
           </a:p>
@@ -610,7 +610,7 @@
           <a:p>
             <a:fld id="{F28A4246-F2A7-4220-A405-8A96DAE08D6A}" type="datetimeFigureOut">
               <a:rPr lang="en-US" smtClean="0"/>
-              <a:t>4/28/25</a:t>
+              <a:t>4/30/25</a:t>
             </a:fld>
             <a:endParaRPr lang="en-US"/>
           </a:p>
@@ -780,7 +780,7 @@
           <a:p>
             <a:fld id="{F28A4246-F2A7-4220-A405-8A96DAE08D6A}" type="datetimeFigureOut">
               <a:rPr lang="en-US" smtClean="0"/>
-              <a:t>4/28/25</a:t>
+              <a:t>4/30/25</a:t>
             </a:fld>
             <a:endParaRPr lang="en-US"/>
           </a:p>
@@ -1026,7 +1026,7 @@
           <a:p>
             <a:fld id="{F28A4246-F2A7-4220-A405-8A96DAE08D6A}" type="datetimeFigureOut">
               <a:rPr lang="en-US" smtClean="0"/>
-              <a:t>4/28/25</a:t>
+              <a:t>4/30/25</a:t>
             </a:fld>
             <a:endParaRPr lang="en-US"/>
           </a:p>
@@ -1258,7 +1258,7 @@
           <a:p>
             <a:fld id="{F28A4246-F2A7-4220-A405-8A96DAE08D6A}" type="datetimeFigureOut">
               <a:rPr lang="en-US" smtClean="0"/>
-              <a:t>4/28/25</a:t>
+              <a:t>4/30/25</a:t>
             </a:fld>
             <a:endParaRPr lang="en-US"/>
           </a:p>
@@ -1625,7 +1625,7 @@
           <a:p>
             <a:fld id="{F28A4246-F2A7-4220-A405-8A96DAE08D6A}" type="datetimeFigureOut">
               <a:rPr lang="en-US" smtClean="0"/>
-              <a:t>4/28/25</a:t>
+              <a:t>4/30/25</a:t>
             </a:fld>
             <a:endParaRPr lang="en-US"/>
           </a:p>
@@ -1743,7 +1743,7 @@
           <a:p>
             <a:fld id="{F28A4246-F2A7-4220-A405-8A96DAE08D6A}" type="datetimeFigureOut">
               <a:rPr lang="en-US" smtClean="0"/>
-              <a:t>4/28/25</a:t>
+              <a:t>4/30/25</a:t>
             </a:fld>
             <a:endParaRPr lang="en-US"/>
           </a:p>
@@ -1838,7 +1838,7 @@
           <a:p>
             <a:fld id="{F28A4246-F2A7-4220-A405-8A96DAE08D6A}" type="datetimeFigureOut">
               <a:rPr lang="en-US" smtClean="0"/>
-              <a:t>4/28/25</a:t>
+              <a:t>4/30/25</a:t>
             </a:fld>
             <a:endParaRPr lang="en-US"/>
           </a:p>
@@ -2115,7 +2115,7 @@
           <a:p>
             <a:fld id="{F28A4246-F2A7-4220-A405-8A96DAE08D6A}" type="datetimeFigureOut">
               <a:rPr lang="en-US" smtClean="0"/>
-              <a:t>4/28/25</a:t>
+              <a:t>4/30/25</a:t>
             </a:fld>
             <a:endParaRPr lang="en-US"/>
           </a:p>
@@ -2372,7 +2372,7 @@
           <a:p>
             <a:fld id="{F28A4246-F2A7-4220-A405-8A96DAE08D6A}" type="datetimeFigureOut">
               <a:rPr lang="en-US" smtClean="0"/>
-              <a:t>4/28/25</a:t>
+              <a:t>4/30/25</a:t>
             </a:fld>
             <a:endParaRPr lang="en-US"/>
           </a:p>
@@ -2585,7 +2585,7 @@
           <a:p>
             <a:fld id="{F28A4246-F2A7-4220-A405-8A96DAE08D6A}" type="datetimeFigureOut">
               <a:rPr lang="en-US" smtClean="0"/>
-              <a:t>4/28/25</a:t>
+              <a:t>4/30/25</a:t>
             </a:fld>
             <a:endParaRPr lang="en-US"/>
           </a:p>
@@ -4299,10 +4299,7 @@
             <a:pPr marL="457200" lvl="1" indent="0">
               <a:buNone/>
             </a:pPr>
-            <a:r>
-              <a:rPr lang="en-US" dirty="0"/>
-              <a:t> </a:t>
-            </a:r>
+            <a:endParaRPr lang="en-US" dirty="0"/>
           </a:p>
           <a:p>
             <a:pPr marL="457200" lvl="1" indent="0">
@@ -4409,7 +4406,9 @@
         </p:nvSpPr>
         <p:spPr/>
         <p:txBody>
-          <a:bodyPr/>
+          <a:bodyPr>
+            <a:normAutofit fontScale="92500" lnSpcReduction="20000"/>
+          </a:bodyPr>
           <a:lstStyle/>
           <a:p>
             <a:pPr marL="0" indent="0">
@@ -4447,8 +4446,58 @@
             </a:pPr>
             <a:r>
               <a:rPr lang="en-US" dirty="0"/>
-              <a:t>What are MEAN and MERN?</a:t>
-            </a:r>
+              <a:t>What are MEAN and MERN? </a:t>
+            </a:r>
+          </a:p>
+          <a:p>
+            <a:pPr marL="0" indent="0">
+              <a:buNone/>
+            </a:pPr>
+            <a:r>
+              <a:rPr lang="en-US" dirty="0"/>
+              <a:t>	MongoDB, Express JS, </a:t>
+            </a:r>
+            <a:r>
+              <a:rPr lang="en-US" dirty="0">
+                <a:solidFill>
+                  <a:srgbClr val="FF0000"/>
+                </a:solidFill>
+              </a:rPr>
+              <a:t>Angular JS</a:t>
+            </a:r>
+            <a:r>
+              <a:rPr lang="en-US" dirty="0"/>
+              <a:t>, Node JS</a:t>
+            </a:r>
+          </a:p>
+          <a:p>
+            <a:pPr marL="0" indent="0">
+              <a:buNone/>
+            </a:pPr>
+            <a:r>
+              <a:rPr lang="en-US" dirty="0"/>
+              <a:t>	MongoDB, Express JS, </a:t>
+            </a:r>
+            <a:r>
+              <a:rPr lang="en-US" dirty="0">
+                <a:solidFill>
+                  <a:schemeClr val="accent6">
+                    <a:lumMod val="50000"/>
+                  </a:schemeClr>
+                </a:solidFill>
+              </a:rPr>
+              <a:t>Reat JS</a:t>
+            </a:r>
+            <a:r>
+              <a:rPr lang="en-US" dirty="0"/>
+              <a:t>, Node JS</a:t>
+            </a:r>
+          </a:p>
+          <a:p>
+            <a:pPr marL="0" indent="0">
+              <a:buNone/>
+            </a:pPr>
+            <a:endParaRPr lang="en-US" dirty="0"/>
           </a:p>
           <a:p>
             <a:pPr marL="0" indent="0">
@@ -4558,12 +4607,39 @@
             </a:r>
           </a:p>
           <a:p>
-            <a:endParaRPr lang="en-US" dirty="0"/>
-          </a:p>
-          <a:p>
-            <a:r>
-              <a:rPr lang="en-US" dirty="0"/>
-              <a:t>Back-end Technologies: JavaScript(Both), Express JS, SQL Server, MongoDB</a:t>
+            <a:pPr lvl="1"/>
+            <a:r>
+              <a:rPr lang="en-US" dirty="0"/>
+              <a:t>(Client-side scripts)</a:t>
+            </a:r>
+          </a:p>
+          <a:p>
+            <a:r>
+              <a:rPr lang="en-US" dirty="0"/>
+              <a:t>Back-end Technologies: JavaScript(Both), Express JS, SQL Server, MongoDB, PHP, </a:t>
+            </a:r>
+            <a:r>
+              <a:rPr lang="en-US" dirty="0" err="1"/>
+              <a:t>ASP.net</a:t>
+            </a:r>
+            <a:r>
+              <a:rPr lang="en-US" dirty="0"/>
+              <a:t>, Ruby on rails, LAMP(Linux Apache </a:t>
+            </a:r>
+            <a:r>
+              <a:rPr lang="en-US" dirty="0" err="1"/>
+              <a:t>MySql</a:t>
+            </a:r>
+            <a:r>
+              <a:rPr lang="en-US" dirty="0"/>
+              <a:t> PHP), WAMP( Window), XAMPP (W &amp; L )</a:t>
+            </a:r>
+          </a:p>
+          <a:p>
+            <a:pPr lvl="1"/>
+            <a:r>
+              <a:rPr lang="en-US" dirty="0"/>
+              <a:t>(Server-aside scripts)</a:t>
             </a:r>
           </a:p>
         </p:txBody>
@@ -4659,7 +4735,10 @@
             <a:pPr marL="0" indent="0">
               <a:buNone/>
             </a:pPr>
-            <a:endParaRPr lang="en-US" dirty="0"/>
+            <a:r>
+              <a:rPr lang="en-US" dirty="0"/>
+              <a:t>	Network of Networks!</a:t>
+            </a:r>
           </a:p>
           <a:p>
             <a:pPr marL="0" indent="0">
@@ -4667,8 +4746,58 @@
             </a:pPr>
             <a:r>
               <a:rPr lang="en-US" dirty="0"/>
-              <a:t>What is world wide web???</a:t>
-            </a:r>
+              <a:t>What is world wide web???	</a:t>
+            </a:r>
+          </a:p>
+          <a:p>
+            <a:pPr marL="0" indent="0">
+              <a:buNone/>
+            </a:pPr>
+            <a:r>
+              <a:rPr lang="en-US" dirty="0"/>
+              <a:t>	A way to store and access information by using the “internet”</a:t>
+            </a:r>
+          </a:p>
+          <a:p>
+            <a:pPr marL="0" indent="0">
+              <a:buNone/>
+            </a:pPr>
+            <a:r>
+              <a:rPr lang="en-US" dirty="0"/>
+              <a:t>	virtual directory consisting of websites…</a:t>
+            </a:r>
+          </a:p>
+          <a:p>
+            <a:pPr marL="0" indent="0">
+              <a:buNone/>
+            </a:pPr>
+            <a:endParaRPr lang="en-US" dirty="0"/>
+          </a:p>
+          <a:p>
+            <a:pPr marL="0" indent="0">
+              <a:buNone/>
+            </a:pPr>
+            <a:r>
+              <a:rPr lang="en-US" dirty="0">
+                <a:hlinkClick r:id="rId2"/>
+              </a:rPr>
+              <a:t>www.gmail.com</a:t>
+            </a:r>
+            <a:r>
+              <a:rPr lang="en-US" dirty="0"/>
+              <a:t>, </a:t>
+            </a:r>
+            <a:r>
+              <a:rPr lang="en-US" dirty="0" err="1"/>
+              <a:t>www.facebook.com</a:t>
+            </a:r>
+            <a:endParaRPr lang="en-US" dirty="0"/>
+          </a:p>
+          <a:p>
+            <a:pPr marL="0" indent="0">
+              <a:buNone/>
+            </a:pPr>
+            <a:endParaRPr lang="en-US" dirty="0"/>
           </a:p>
         </p:txBody>
       </p:sp>
@@ -4775,7 +4904,15 @@
           <a:p>
             <a:r>
               <a:rPr lang="en-US" dirty="0"/>
-              <a:t>world wide web??? web is a subset of internet- allows us to access web services , request resources like images pages etc.. and transmit data between clients and servers...virtual directory of web recourse..</a:t>
+              <a:t>world wide web??? web is a subset of internet- allows us to access web services , request resources like images pages etc.. and transmit data between clients and servers...virtual directory of web </a:t>
+            </a:r>
+            <a:r>
+              <a:rPr lang="en-US" dirty="0" err="1"/>
+              <a:t>resourses</a:t>
+            </a:r>
+            <a:r>
+              <a:rPr lang="en-US" dirty="0"/>
+              <a:t>..</a:t>
             </a:r>
           </a:p>
           <a:p>
@@ -4870,7 +5007,7 @@
           <a:p>
             <a:r>
               <a:rPr lang="en-US" dirty="0"/>
-              <a:t>Web runs of top of TCP/IP networks using a number of communication protocols...</a:t>
+              <a:t>Web runs of top of TCP/IP networks using a number of communication protocols...(Transmission Control Protocol/Internet Protocol)</a:t>
             </a:r>
           </a:p>
           <a:p>
@@ -4997,6 +5134,13 @@
               <a:rPr lang="en-US" dirty="0"/>
               <a:t>HTTPS: Secure...</a:t>
             </a:r>
+          </a:p>
+          <a:p>
+            <a:r>
+              <a:rPr lang="en-US"/>
+              <a:t>SMTP, FTP, POP, IMAP, SSH</a:t>
+            </a:r>
+            <a:endParaRPr lang="en-US" dirty="0"/>
           </a:p>
         </p:txBody>
       </p:sp>

--- a/FrontEnd/Week1/Week 1.pptx
+++ b/FrontEnd/Week1/Week 1.pptx
@@ -3140,13 +3140,8 @@
           <a:p>
             <a:r>
               <a:rPr lang="en-US" dirty="0"/>
-              <a:t>https://</a:t>
-            </a:r>
-            <a:r>
-              <a:rPr lang="en-US" dirty="0" err="1"/>
-              <a:t>www.google.com</a:t>
-            </a:r>
-            <a:endParaRPr lang="en-US" dirty="0"/>
+              <a:t>https://www.google.com:443</a:t>
+            </a:r>
           </a:p>
           <a:p>
             <a:endParaRPr lang="en-US" dirty="0"/>
@@ -3432,19 +3427,27 @@
           <a:p>
             <a:r>
               <a:rPr lang="en-US" dirty="0"/>
-              <a:t>Tag:</a:t>
-            </a:r>
-          </a:p>
-          <a:p>
-            <a:r>
-              <a:rPr lang="en-US" dirty="0"/>
-              <a:t>Elements:</a:t>
-            </a:r>
-          </a:p>
-          <a:p>
-            <a:r>
-              <a:rPr lang="en-US" dirty="0"/>
-              <a:t>Attributes:</a:t>
+              <a:t>Tag:  &lt;something&gt;</a:t>
+            </a:r>
+          </a:p>
+          <a:p>
+            <a:r>
+              <a:rPr lang="en-US" dirty="0"/>
+              <a:t>Elements: &lt;title&gt;Something&lt;/title&gt; The starting tag, content and ending tag…[If any element does not have any content, we make it and </a:t>
+            </a:r>
+            <a:r>
+              <a:rPr lang="en-US" dirty="0">
+                <a:solidFill>
+                  <a:srgbClr val="FFFF00"/>
+                </a:solidFill>
+              </a:rPr>
+              <a:t>empty element  &lt;meta/&gt;</a:t>
+            </a:r>
+          </a:p>
+          <a:p>
+            <a:r>
+              <a:rPr lang="en-US" dirty="0"/>
+              <a:t>Attributes: That give extra functionality to the tag/element</a:t>
             </a:r>
           </a:p>
           <a:p>
@@ -3652,7 +3655,7 @@
           <a:p>
             <a:r>
               <a:rPr lang="en-US" dirty="0"/>
-              <a:t>&lt;head&gt;</a:t>
+              <a:t>&lt;head&gt; &lt;title&gt;&lt;/title&gt;</a:t>
             </a:r>
           </a:p>
           <a:p>
@@ -3669,13 +3672,21 @@
           </a:p>
           <a:p>
             <a:r>
-              <a:rPr lang="en-US" dirty="0"/>
+              <a:rPr lang="en-US" dirty="0">
+                <a:solidFill>
+                  <a:srgbClr val="FFFF00"/>
+                </a:solidFill>
+              </a:rPr>
               <a:t>ALWAYS VALIDATE YOUR ASSIGNMENT BEFORE SUBMITTING…</a:t>
             </a:r>
           </a:p>
           <a:p>
             <a:r>
-              <a:rPr lang="en-US" dirty="0"/>
+              <a:rPr lang="en-US" dirty="0">
+                <a:solidFill>
+                  <a:srgbClr val="FFFF00"/>
+                </a:solidFill>
+              </a:rPr>
               <a:t>NO RED ELEMENT/ATTRIBUTE IN YOUR ASSIGNMENT…</a:t>
             </a:r>
           </a:p>
@@ -3734,7 +3745,30 @@
           <a:p>
             <a:r>
               <a:rPr lang="en-US" dirty="0"/>
-              <a:t>Content Sections – ALWAYS INSIDE &lt;body&gt;</a:t>
+              <a:t>Content Sections – </a:t>
+            </a:r>
+            <a:r>
+              <a:rPr lang="en-US" dirty="0">
+                <a:solidFill>
+                  <a:srgbClr val="FFFF00"/>
+                </a:solidFill>
+              </a:rPr>
+              <a:t>ALWAYS INSIDE &lt;body&gt;</a:t>
+            </a:r>
+            <a:br>
+              <a:rPr lang="en-US" dirty="0">
+                <a:solidFill>
+                  <a:srgbClr val="FFFF00"/>
+                </a:solidFill>
+              </a:rPr>
+            </a:br>
+            <a:r>
+              <a:rPr lang="en-US" dirty="0">
+                <a:solidFill>
+                  <a:srgbClr val="FFFF00"/>
+                </a:solidFill>
+              </a:rPr>
+              <a:t>Semantic Elements</a:t>
             </a:r>
           </a:p>
         </p:txBody>
@@ -3768,7 +3802,7 @@
           <a:p>
             <a:r>
               <a:rPr lang="en-US" dirty="0"/>
-              <a:t>&lt;nav&gt; - content relate to </a:t>
+              <a:t>&lt;nav&gt; - content related to </a:t>
             </a:r>
             <a:r>
               <a:rPr lang="en-US" dirty="0" err="1"/>
@@ -4049,6 +4083,20 @@
               <a:t>&lt;span&gt; generic containers</a:t>
             </a:r>
           </a:p>
+          <a:p>
+            <a:endParaRPr lang="en-US" dirty="0"/>
+          </a:p>
+          <a:p>
+            <a:r>
+              <a:rPr lang="en-US" dirty="0"/>
+              <a:t>Inline and Block </a:t>
+            </a:r>
+            <a:r>
+              <a:rPr lang="en-US"/>
+              <a:t>level Elements?</a:t>
+            </a:r>
+            <a:endParaRPr lang="en-US" dirty="0"/>
+          </a:p>
         </p:txBody>
       </p:sp>
     </p:spTree>
@@ -5137,10 +5185,9 @@
           </a:p>
           <a:p>
             <a:r>
-              <a:rPr lang="en-US"/>
+              <a:rPr lang="en-US" dirty="0"/>
               <a:t>SMTP, FTP, POP, IMAP, SSH</a:t>
             </a:r>
-            <a:endParaRPr lang="en-US" dirty="0"/>
           </a:p>
         </p:txBody>
       </p:sp>
